--- a/DIW/TEORIA/Unidad1.pptx
+++ b/DIW/TEORIA/Unidad1.pptx
@@ -427,7 +427,7 @@
           <a:p>
             <a:fld id="{5822A6F2-B8E3-46E5-9966-EC5C71250C6C}" type="datetimeFigureOut">
               <a:rPr lang="es-ES" smtClean="0"/>
-              <a:t>19/09/2024</a:t>
+              <a:t>20/09/2024</a:t>
             </a:fld>
             <a:endParaRPr lang="es-ES"/>
           </a:p>
@@ -585,7 +585,7 @@
           <a:p>
             <a:fld id="{5CC81180-07F5-46B6-A691-30DB823FF179}" type="slidenum">
               <a:rPr lang="es-ES" smtClean="0"/>
-              <a:t>‹#›</a:t>
+              <a:t>‹Nº›</a:t>
             </a:fld>
             <a:endParaRPr lang="es-ES"/>
           </a:p>
@@ -3445,7 +3445,7 @@
           <a:p>
             <a:fld id="{9A772C6F-72CF-437C-A6C2-0962C02E29B2}" type="datetimeFigureOut">
               <a:rPr lang="es-ES" smtClean="0"/>
-              <a:t>19/09/2024</a:t>
+              <a:t>20/09/2024</a:t>
             </a:fld>
             <a:endParaRPr lang="es-ES"/>
           </a:p>
@@ -3499,7 +3499,7 @@
           <a:p>
             <a:fld id="{A22BCFF5-EE3C-4808-BB1C-8EC5A1BDD21A}" type="slidenum">
               <a:rPr lang="es-ES" smtClean="0"/>
-              <a:t>‹#›</a:t>
+              <a:t>‹Nº›</a:t>
             </a:fld>
             <a:endParaRPr lang="es-ES"/>
           </a:p>
@@ -3643,7 +3643,7 @@
           <a:p>
             <a:fld id="{9A772C6F-72CF-437C-A6C2-0962C02E29B2}" type="datetimeFigureOut">
               <a:rPr lang="es-ES" smtClean="0"/>
-              <a:t>19/09/2024</a:t>
+              <a:t>20/09/2024</a:t>
             </a:fld>
             <a:endParaRPr lang="es-ES"/>
           </a:p>
@@ -3697,7 +3697,7 @@
           <a:p>
             <a:fld id="{A22BCFF5-EE3C-4808-BB1C-8EC5A1BDD21A}" type="slidenum">
               <a:rPr lang="es-ES" smtClean="0"/>
-              <a:t>‹#›</a:t>
+              <a:t>‹Nº›</a:t>
             </a:fld>
             <a:endParaRPr lang="es-ES"/>
           </a:p>
@@ -3851,7 +3851,7 @@
           <a:p>
             <a:fld id="{9A772C6F-72CF-437C-A6C2-0962C02E29B2}" type="datetimeFigureOut">
               <a:rPr lang="es-ES" smtClean="0"/>
-              <a:t>19/09/2024</a:t>
+              <a:t>20/09/2024</a:t>
             </a:fld>
             <a:endParaRPr lang="es-ES"/>
           </a:p>
@@ -3905,7 +3905,7 @@
           <a:p>
             <a:fld id="{A22BCFF5-EE3C-4808-BB1C-8EC5A1BDD21A}" type="slidenum">
               <a:rPr lang="es-ES" smtClean="0"/>
-              <a:t>‹#›</a:t>
+              <a:t>‹Nº›</a:t>
             </a:fld>
             <a:endParaRPr lang="es-ES"/>
           </a:p>
@@ -4049,7 +4049,7 @@
           <a:p>
             <a:fld id="{9A772C6F-72CF-437C-A6C2-0962C02E29B2}" type="datetimeFigureOut">
               <a:rPr lang="es-ES" smtClean="0"/>
-              <a:t>19/09/2024</a:t>
+              <a:t>20/09/2024</a:t>
             </a:fld>
             <a:endParaRPr lang="es-ES"/>
           </a:p>
@@ -4103,7 +4103,7 @@
           <a:p>
             <a:fld id="{A22BCFF5-EE3C-4808-BB1C-8EC5A1BDD21A}" type="slidenum">
               <a:rPr lang="es-ES" smtClean="0"/>
-              <a:t>‹#›</a:t>
+              <a:t>‹Nº›</a:t>
             </a:fld>
             <a:endParaRPr lang="es-ES"/>
           </a:p>
@@ -4324,7 +4324,7 @@
           <a:p>
             <a:fld id="{9A772C6F-72CF-437C-A6C2-0962C02E29B2}" type="datetimeFigureOut">
               <a:rPr lang="es-ES" smtClean="0"/>
-              <a:t>19/09/2024</a:t>
+              <a:t>20/09/2024</a:t>
             </a:fld>
             <a:endParaRPr lang="es-ES"/>
           </a:p>
@@ -4378,7 +4378,7 @@
           <a:p>
             <a:fld id="{A22BCFF5-EE3C-4808-BB1C-8EC5A1BDD21A}" type="slidenum">
               <a:rPr lang="es-ES" smtClean="0"/>
-              <a:t>‹#›</a:t>
+              <a:t>‹Nº›</a:t>
             </a:fld>
             <a:endParaRPr lang="es-ES"/>
           </a:p>
@@ -4589,7 +4589,7 @@
           <a:p>
             <a:fld id="{9A772C6F-72CF-437C-A6C2-0962C02E29B2}" type="datetimeFigureOut">
               <a:rPr lang="es-ES" smtClean="0"/>
-              <a:t>19/09/2024</a:t>
+              <a:t>20/09/2024</a:t>
             </a:fld>
             <a:endParaRPr lang="es-ES"/>
           </a:p>
@@ -4643,7 +4643,7 @@
           <a:p>
             <a:fld id="{A22BCFF5-EE3C-4808-BB1C-8EC5A1BDD21A}" type="slidenum">
               <a:rPr lang="es-ES" smtClean="0"/>
-              <a:t>‹#›</a:t>
+              <a:t>‹Nº›</a:t>
             </a:fld>
             <a:endParaRPr lang="es-ES"/>
           </a:p>
@@ -5001,7 +5001,7 @@
           <a:p>
             <a:fld id="{9A772C6F-72CF-437C-A6C2-0962C02E29B2}" type="datetimeFigureOut">
               <a:rPr lang="es-ES" smtClean="0"/>
-              <a:t>19/09/2024</a:t>
+              <a:t>20/09/2024</a:t>
             </a:fld>
             <a:endParaRPr lang="es-ES"/>
           </a:p>
@@ -5055,7 +5055,7 @@
           <a:p>
             <a:fld id="{A22BCFF5-EE3C-4808-BB1C-8EC5A1BDD21A}" type="slidenum">
               <a:rPr lang="es-ES" smtClean="0"/>
-              <a:t>‹#›</a:t>
+              <a:t>‹Nº›</a:t>
             </a:fld>
             <a:endParaRPr lang="es-ES"/>
           </a:p>
@@ -5142,7 +5142,7 @@
           <a:p>
             <a:fld id="{9A772C6F-72CF-437C-A6C2-0962C02E29B2}" type="datetimeFigureOut">
               <a:rPr lang="es-ES" smtClean="0"/>
-              <a:t>19/09/2024</a:t>
+              <a:t>20/09/2024</a:t>
             </a:fld>
             <a:endParaRPr lang="es-ES"/>
           </a:p>
@@ -5196,7 +5196,7 @@
           <a:p>
             <a:fld id="{A22BCFF5-EE3C-4808-BB1C-8EC5A1BDD21A}" type="slidenum">
               <a:rPr lang="es-ES" smtClean="0"/>
-              <a:t>‹#›</a:t>
+              <a:t>‹Nº›</a:t>
             </a:fld>
             <a:endParaRPr lang="es-ES"/>
           </a:p>
@@ -5255,7 +5255,7 @@
           <a:p>
             <a:fld id="{9A772C6F-72CF-437C-A6C2-0962C02E29B2}" type="datetimeFigureOut">
               <a:rPr lang="es-ES" smtClean="0"/>
-              <a:t>19/09/2024</a:t>
+              <a:t>20/09/2024</a:t>
             </a:fld>
             <a:endParaRPr lang="es-ES"/>
           </a:p>
@@ -5309,7 +5309,7 @@
           <a:p>
             <a:fld id="{A22BCFF5-EE3C-4808-BB1C-8EC5A1BDD21A}" type="slidenum">
               <a:rPr lang="es-ES" smtClean="0"/>
-              <a:t>‹#›</a:t>
+              <a:t>‹Nº›</a:t>
             </a:fld>
             <a:endParaRPr lang="es-ES"/>
           </a:p>
@@ -5566,7 +5566,7 @@
           <a:p>
             <a:fld id="{9A772C6F-72CF-437C-A6C2-0962C02E29B2}" type="datetimeFigureOut">
               <a:rPr lang="es-ES" smtClean="0"/>
-              <a:t>19/09/2024</a:t>
+              <a:t>20/09/2024</a:t>
             </a:fld>
             <a:endParaRPr lang="es-ES"/>
           </a:p>
@@ -5620,7 +5620,7 @@
           <a:p>
             <a:fld id="{A22BCFF5-EE3C-4808-BB1C-8EC5A1BDD21A}" type="slidenum">
               <a:rPr lang="es-ES" smtClean="0"/>
-              <a:t>‹#›</a:t>
+              <a:t>‹Nº›</a:t>
             </a:fld>
             <a:endParaRPr lang="es-ES"/>
           </a:p>
@@ -5854,7 +5854,7 @@
           <a:p>
             <a:fld id="{9A772C6F-72CF-437C-A6C2-0962C02E29B2}" type="datetimeFigureOut">
               <a:rPr lang="es-ES" smtClean="0"/>
-              <a:t>19/09/2024</a:t>
+              <a:t>20/09/2024</a:t>
             </a:fld>
             <a:endParaRPr lang="es-ES"/>
           </a:p>
@@ -5908,7 +5908,7 @@
           <a:p>
             <a:fld id="{A22BCFF5-EE3C-4808-BB1C-8EC5A1BDD21A}" type="slidenum">
               <a:rPr lang="es-ES" smtClean="0"/>
-              <a:t>‹#›</a:t>
+              <a:t>‹Nº›</a:t>
             </a:fld>
             <a:endParaRPr lang="es-ES"/>
           </a:p>
@@ -6095,7 +6095,7 @@
           <a:p>
             <a:fld id="{9A772C6F-72CF-437C-A6C2-0962C02E29B2}" type="datetimeFigureOut">
               <a:rPr lang="es-ES" smtClean="0"/>
-              <a:t>19/09/2024</a:t>
+              <a:t>20/09/2024</a:t>
             </a:fld>
             <a:endParaRPr lang="es-ES"/>
           </a:p>
@@ -6185,7 +6185,7 @@
           <a:p>
             <a:fld id="{A22BCFF5-EE3C-4808-BB1C-8EC5A1BDD21A}" type="slidenum">
               <a:rPr lang="es-ES" smtClean="0"/>
-              <a:t>‹#›</a:t>
+              <a:t>‹Nº›</a:t>
             </a:fld>
             <a:endParaRPr lang="es-ES"/>
           </a:p>
@@ -12711,7 +12711,7 @@
               <a:buFont typeface="Wingdings" panose="05000000000000000000" pitchFamily="2" charset="2"/>
               <a:buChar char="§"/>
             </a:pPr>
-            <a:endParaRPr lang="es-ES" sz="3200">
+            <a:endParaRPr lang="es-ES" sz="3200" dirty="0">
               <a:solidFill>
                 <a:schemeClr val="tx1">
                   <a:lumMod val="65000"/>
@@ -12728,7 +12728,7 @@
               <a:buFont typeface="Wingdings" panose="05000000000000000000" pitchFamily="2" charset="2"/>
               <a:buChar char="§"/>
             </a:pPr>
-            <a:endParaRPr lang="es-ES" sz="3200">
+            <a:endParaRPr lang="es-ES" sz="3200" dirty="0">
               <a:solidFill>
                 <a:schemeClr val="tx1">
                   <a:lumMod val="65000"/>
@@ -12746,7 +12746,7 @@
               <a:buChar char="§"/>
             </a:pPr>
             <a:r>
-              <a:rPr lang="es-ES" sz="3200">
+              <a:rPr lang="es-ES" sz="3200" dirty="0">
                 <a:solidFill>
                   <a:schemeClr val="tx1">
                     <a:lumMod val="65000"/>
@@ -12766,7 +12766,7 @@
               <a:buChar char="§"/>
             </a:pPr>
             <a:r>
-              <a:rPr lang="es-ES" sz="3200">
+              <a:rPr lang="es-ES" sz="3200" dirty="0">
                 <a:solidFill>
                   <a:schemeClr val="tx1">
                     <a:lumMod val="65000"/>
@@ -12786,7 +12786,7 @@
               <a:buChar char="§"/>
             </a:pPr>
             <a:r>
-              <a:rPr lang="es-ES" sz="2800">
+              <a:rPr lang="es-ES" sz="2800" dirty="0">
                 <a:solidFill>
                   <a:schemeClr val="tx1">
                     <a:lumMod val="65000"/>
@@ -12806,7 +12806,7 @@
               <a:buChar char="§"/>
             </a:pPr>
             <a:r>
-              <a:rPr lang="es-ES" sz="2800">
+              <a:rPr lang="es-ES" sz="2800" dirty="0">
                 <a:solidFill>
                   <a:schemeClr val="tx1">
                     <a:lumMod val="65000"/>
@@ -12826,7 +12826,7 @@
               <a:buChar char="§"/>
             </a:pPr>
             <a:r>
-              <a:rPr lang="es-ES" sz="2800">
+              <a:rPr lang="es-ES" sz="2800" dirty="0">
                 <a:solidFill>
                   <a:schemeClr val="tx1">
                     <a:lumMod val="65000"/>
@@ -12844,7 +12844,7 @@
               </a:buClr>
               <a:buNone/>
             </a:pPr>
-            <a:endParaRPr lang="es-ES" sz="3200">
+            <a:endParaRPr lang="es-ES" sz="3200" dirty="0">
               <a:solidFill>
                 <a:schemeClr val="tx1">
                   <a:lumMod val="65000"/>
@@ -12861,7 +12861,7 @@
               <a:buFont typeface="Wingdings" panose="05000000000000000000" pitchFamily="2" charset="2"/>
               <a:buChar char="§"/>
             </a:pPr>
-            <a:endParaRPr lang="es-ES" sz="2800">
+            <a:endParaRPr lang="es-ES" sz="2800" dirty="0">
               <a:solidFill>
                 <a:schemeClr val="tx1">
                   <a:lumMod val="65000"/>
@@ -22738,7 +22738,7 @@
               <a:buFont typeface="Wingdings" panose="05000000000000000000" pitchFamily="2" charset="2"/>
               <a:buChar char="§"/>
             </a:pPr>
-            <a:endParaRPr lang="es-ES" sz="3200">
+            <a:endParaRPr lang="es-ES" sz="3200" dirty="0">
               <a:solidFill>
                 <a:schemeClr val="tx1">
                   <a:lumMod val="65000"/>
@@ -22755,7 +22755,7 @@
               <a:buFont typeface="Wingdings" panose="05000000000000000000" pitchFamily="2" charset="2"/>
               <a:buChar char="§"/>
             </a:pPr>
-            <a:endParaRPr lang="es-ES" sz="3200">
+            <a:endParaRPr lang="es-ES" sz="3200" dirty="0">
               <a:solidFill>
                 <a:schemeClr val="tx1">
                   <a:lumMod val="65000"/>
@@ -22773,7 +22773,7 @@
               <a:buChar char="§"/>
             </a:pPr>
             <a:r>
-              <a:rPr lang="es-ES" sz="3200">
+              <a:rPr lang="es-ES" sz="3200" dirty="0">
                 <a:solidFill>
                   <a:schemeClr val="tx1">
                     <a:lumMod val="65000"/>
@@ -22793,7 +22793,7 @@
               <a:buChar char="§"/>
             </a:pPr>
             <a:r>
-              <a:rPr lang="es-ES" sz="3200">
+              <a:rPr lang="es-ES" sz="3200" dirty="0">
                 <a:solidFill>
                   <a:schemeClr val="tx1">
                     <a:lumMod val="65000"/>
@@ -22813,7 +22813,7 @@
               <a:buChar char="§"/>
             </a:pPr>
             <a:r>
-              <a:rPr lang="es-ES" sz="3200">
+              <a:rPr lang="es-ES" sz="3200" dirty="0">
                 <a:solidFill>
                   <a:schemeClr val="tx1">
                     <a:lumMod val="65000"/>
@@ -22824,7 +22824,7 @@
               <a:t>La mayoría</a:t>
             </a:r>
             <a:r>
-              <a:rPr lang="es-ES">
+              <a:rPr lang="es-ES" dirty="0">
                 <a:solidFill>
                   <a:schemeClr val="tx1">
                     <a:lumMod val="65000"/>
@@ -22834,7 +22834,7 @@
               </a:rPr>
               <a:t> de diarios digitales lo usan</a:t>
             </a:r>
-            <a:endParaRPr lang="es-ES" sz="3200">
+            <a:endParaRPr lang="es-ES" sz="3200" dirty="0">
               <a:solidFill>
                 <a:schemeClr val="tx1">
                   <a:lumMod val="65000"/>
@@ -27798,12 +27798,6 @@
 </file>
 
 <file path=customXml/item1.xml><?xml version="1.0" encoding="utf-8"?>
-<p:properties xmlns:p="http://schemas.microsoft.com/office/2006/metadata/properties" xmlns:xsi="http://www.w3.org/2001/XMLSchema-instance" xmlns:pc="http://schemas.microsoft.com/office/infopath/2007/PartnerControls">
-  <documentManagement/>
-</p:properties>
-</file>
-
-<file path=customXml/item2.xml><?xml version="1.0" encoding="utf-8"?>
 <?mso-contentType ?>
 <FormTemplates xmlns="http://schemas.microsoft.com/sharepoint/v3/contenttype/forms">
   <Display>DocumentLibraryForm</Display>
@@ -27812,7 +27806,7 @@
 </FormTemplates>
 </file>
 
-<file path=customXml/item3.xml><?xml version="1.0" encoding="utf-8"?>
+<file path=customXml/item2.xml><?xml version="1.0" encoding="utf-8"?>
 <ct:contentTypeSchema xmlns:ct="http://schemas.microsoft.com/office/2006/metadata/contentType" xmlns:ma="http://schemas.microsoft.com/office/2006/metadata/properties/metaAttributes" ct:_="" ma:_="" ma:contentTypeName="Documento" ma:contentTypeID="0x010100A58A2A0A8608C14DA3F7D653DC577164" ma:contentTypeVersion="4" ma:contentTypeDescription="Crear nuevo documento." ma:contentTypeScope="" ma:versionID="4572f7cde553d749b23a128bcfcac632">
   <xsd:schema xmlns:xsd="http://www.w3.org/2001/XMLSchema" xmlns:xs="http://www.w3.org/2001/XMLSchema" xmlns:p="http://schemas.microsoft.com/office/2006/metadata/properties" xmlns:ns2="4b09e485-cbaa-44ff-b3f4-b34a56ce0d6c" targetNamespace="http://schemas.microsoft.com/office/2006/metadata/properties" ma:root="true" ma:fieldsID="741e5ca830446b32b455a0a96fc77c67" ns2:_="">
     <xsd:import namespace="4b09e485-cbaa-44ff-b3f4-b34a56ce0d6c"/>
@@ -27956,16 +27950,13 @@
 </ct:contentTypeSchema>
 </file>
 
-<file path=customXml/itemProps1.xml><?xml version="1.0" encoding="utf-8"?>
-<ds:datastoreItem xmlns:ds="http://schemas.openxmlformats.org/officeDocument/2006/customXml" ds:itemID="{BEA28F10-F3EF-41DA-8354-5276C73BB2C1}">
-  <ds:schemaRefs>
-    <ds:schemaRef ds:uri="http://schemas.microsoft.com/office/2006/metadata/properties"/>
-    <ds:schemaRef ds:uri="http://schemas.microsoft.com/office/infopath/2007/PartnerControls"/>
-  </ds:schemaRefs>
-</ds:datastoreItem>
+<file path=customXml/item3.xml><?xml version="1.0" encoding="utf-8"?>
+<p:properties xmlns:p="http://schemas.microsoft.com/office/2006/metadata/properties" xmlns:xsi="http://www.w3.org/2001/XMLSchema-instance" xmlns:pc="http://schemas.microsoft.com/office/infopath/2007/PartnerControls">
+  <documentManagement/>
+</p:properties>
 </file>
 
-<file path=customXml/itemProps2.xml><?xml version="1.0" encoding="utf-8"?>
+<file path=customXml/itemProps1.xml><?xml version="1.0" encoding="utf-8"?>
 <ds:datastoreItem xmlns:ds="http://schemas.openxmlformats.org/officeDocument/2006/customXml" ds:itemID="{DE36B27B-C0F1-4F4A-AE97-A47A570490B9}">
   <ds:schemaRefs>
     <ds:schemaRef ds:uri="http://schemas.microsoft.com/sharepoint/v3/contenttype/forms"/>
@@ -27973,7 +27964,7 @@
 </ds:datastoreItem>
 </file>
 
-<file path=customXml/itemProps3.xml><?xml version="1.0" encoding="utf-8"?>
+<file path=customXml/itemProps2.xml><?xml version="1.0" encoding="utf-8"?>
 <ds:datastoreItem xmlns:ds="http://schemas.openxmlformats.org/officeDocument/2006/customXml" ds:itemID="{B84707A6-D1BB-482A-A007-831EEC46CE47}">
   <ds:schemaRefs>
     <ds:schemaRef ds:uri="4b09e485-cbaa-44ff-b3f4-b34a56ce0d6c"/>
@@ -27989,4 +27980,13 @@
     <ds:schemaRef ds:uri="http://www.w3.org/2001/XMLSchema"/>
   </ds:schemaRefs>
 </ds:datastoreItem>
+</file>
+
+<file path=customXml/itemProps3.xml><?xml version="1.0" encoding="utf-8"?>
+<ds:datastoreItem xmlns:ds="http://schemas.openxmlformats.org/officeDocument/2006/customXml" ds:itemID="{BEA28F10-F3EF-41DA-8354-5276C73BB2C1}">
+  <ds:schemaRefs>
+    <ds:schemaRef ds:uri="http://schemas.microsoft.com/office/2006/metadata/properties"/>
+    <ds:schemaRef ds:uri="http://schemas.microsoft.com/office/infopath/2007/PartnerControls"/>
+  </ds:schemaRefs>
+</ds:datastoreItem>
 </file>